--- a/doc/highlights.pptx
+++ b/doc/highlights.pptx
@@ -9,6 +9,13 @@
     <p:sldId id="257" r:id="rId3"/>
     <p:sldId id="258" r:id="rId4"/>
     <p:sldId id="259" r:id="rId5"/>
+    <p:sldId id="260" r:id="rId6"/>
+    <p:sldId id="261" r:id="rId7"/>
+    <p:sldId id="262" r:id="rId8"/>
+    <p:sldId id="263" r:id="rId9"/>
+    <p:sldId id="264" r:id="rId10"/>
+    <p:sldId id="265" r:id="rId11"/>
+    <p:sldId id="266" r:id="rId12"/>
   </p:sldIdLst>
   <p:sldSz cx="12192000" cy="6858000"/>
   <p:notesSz cx="6858000" cy="9144000"/>
@@ -286,7 +293,7 @@
             <a:fld id="{11A6662E-FAF4-44BC-88B5-85A7CBFB6D30}" type="datetime1">
               <a:rPr lang="en-US" smtClean="0"/>
               <a:pPr/>
-              <a:t>5/28/2021</a:t>
+              <a:t>5/30/2021</a:t>
             </a:fld>
             <a:endParaRPr lang="en-US"/>
           </a:p>
@@ -555,7 +562,7 @@
             <a:fld id="{57E0CF6C-748E-4B7A-BC8B-3011EF78ED13}" type="datetime1">
               <a:rPr lang="en-US" smtClean="0"/>
               <a:pPr/>
-              <a:t>5/28/2021</a:t>
+              <a:t>5/30/2021</a:t>
             </a:fld>
             <a:endParaRPr lang="en-US" dirty="0"/>
           </a:p>
@@ -789,7 +796,7 @@
             <a:fld id="{57E0CF6C-748E-4B7A-BC8B-3011EF78ED13}" type="datetime1">
               <a:rPr lang="en-US" smtClean="0"/>
               <a:pPr/>
-              <a:t>5/28/2021</a:t>
+              <a:t>5/30/2021</a:t>
             </a:fld>
             <a:endParaRPr lang="en-US" dirty="0"/>
           </a:p>
@@ -1102,7 +1109,7 @@
             <a:fld id="{57E0CF6C-748E-4B7A-BC8B-3011EF78ED13}" type="datetime1">
               <a:rPr lang="en-US" smtClean="0"/>
               <a:pPr/>
-              <a:t>5/28/2021</a:t>
+              <a:t>5/30/2021</a:t>
             </a:fld>
             <a:endParaRPr lang="en-US" dirty="0"/>
           </a:p>
@@ -1578,7 +1585,7 @@
             <a:fld id="{57E0CF6C-748E-4B7A-BC8B-3011EF78ED13}" type="datetime1">
               <a:rPr lang="en-US" smtClean="0"/>
               <a:pPr/>
-              <a:t>5/28/2021</a:t>
+              <a:t>5/30/2021</a:t>
             </a:fld>
             <a:endParaRPr lang="en-US" dirty="0"/>
           </a:p>
@@ -2128,7 +2135,7 @@
             <a:fld id="{57E0CF6C-748E-4B7A-BC8B-3011EF78ED13}" type="datetime1">
               <a:rPr lang="en-US" smtClean="0"/>
               <a:pPr/>
-              <a:t>5/28/2021</a:t>
+              <a:t>5/30/2021</a:t>
             </a:fld>
             <a:endParaRPr lang="en-US" dirty="0"/>
           </a:p>
@@ -2905,7 +2912,7 @@
             <a:fld id="{57E0CF6C-748E-4B7A-BC8B-3011EF78ED13}" type="datetime1">
               <a:rPr lang="en-US" smtClean="0"/>
               <a:pPr/>
-              <a:t>5/28/2021</a:t>
+              <a:t>5/30/2021</a:t>
             </a:fld>
             <a:endParaRPr lang="en-US" dirty="0"/>
           </a:p>
@@ -3082,7 +3089,7 @@
           <a:p>
             <a:fld id="{4C559632-1575-4E14-B53B-3DC3D5ED3947}" type="datetime1">
               <a:rPr lang="en-US" smtClean="0"/>
-              <a:t>5/28/2021</a:t>
+              <a:t>5/30/2021</a:t>
             </a:fld>
             <a:endParaRPr lang="en-US"/>
           </a:p>
@@ -3305,7 +3312,7 @@
           <a:p>
             <a:fld id="{CC4A6868-2568-4CC9-B302-F37117B01A6E}" type="datetime1">
               <a:rPr lang="en-US" smtClean="0"/>
-              <a:t>5/28/2021</a:t>
+              <a:t>5/30/2021</a:t>
             </a:fld>
             <a:endParaRPr lang="en-US"/>
           </a:p>
@@ -3485,7 +3492,7 @@
           <a:p>
             <a:fld id="{0055F08A-1E71-4B2B-BB49-E743F2903911}" type="datetime1">
               <a:rPr lang="en-US" smtClean="0"/>
-              <a:t>5/28/2021</a:t>
+              <a:t>5/30/2021</a:t>
             </a:fld>
             <a:endParaRPr lang="en-US" dirty="0"/>
           </a:p>
@@ -3774,7 +3781,7 @@
           <a:p>
             <a:fld id="{15417D9E-721A-44BB-8863-9873FE64DA75}" type="datetime1">
               <a:rPr lang="en-US" smtClean="0"/>
-              <a:t>5/28/2021</a:t>
+              <a:t>5/30/2021</a:t>
             </a:fld>
             <a:endParaRPr lang="en-US"/>
           </a:p>
@@ -4016,7 +4023,7 @@
           <a:p>
             <a:fld id="{5F31DA2F-80B8-49CF-99FB-5ABCA53A607A}" type="datetime1">
               <a:rPr lang="en-US" smtClean="0"/>
-              <a:t>5/28/2021</a:t>
+              <a:t>5/30/2021</a:t>
             </a:fld>
             <a:endParaRPr lang="en-US"/>
           </a:p>
@@ -4395,7 +4402,7 @@
           <a:p>
             <a:fld id="{28852172-E6C9-4B6C-929A-A9DE3837BBF1}" type="datetime1">
               <a:rPr lang="en-US" smtClean="0"/>
-              <a:t>5/28/2021</a:t>
+              <a:t>5/30/2021</a:t>
             </a:fld>
             <a:endParaRPr lang="en-US"/>
           </a:p>
@@ -4513,7 +4520,7 @@
           <a:p>
             <a:fld id="{3AB41CFF-90C9-47B3-9DA1-F2BF8D839F7E}" type="datetime1">
               <a:rPr lang="en-US" smtClean="0"/>
-              <a:t>5/28/2021</a:t>
+              <a:t>5/30/2021</a:t>
             </a:fld>
             <a:endParaRPr lang="en-US"/>
           </a:p>
@@ -4608,7 +4615,7 @@
           <a:p>
             <a:fld id="{F06048FA-06AB-4884-A69B-986B96E68A24}" type="datetime1">
               <a:rPr lang="en-US" smtClean="0"/>
-              <a:t>5/28/2021</a:t>
+              <a:t>5/30/2021</a:t>
             </a:fld>
             <a:endParaRPr lang="en-US"/>
           </a:p>
@@ -4857,7 +4864,7 @@
           <a:p>
             <a:fld id="{50DB7ABA-0172-4F9C-889D-567164F66BCD}" type="datetime1">
               <a:rPr lang="en-US" smtClean="0"/>
-              <a:t>5/28/2021</a:t>
+              <a:t>5/30/2021</a:t>
             </a:fld>
             <a:endParaRPr lang="en-US"/>
           </a:p>
@@ -5114,7 +5121,7 @@
           <a:p>
             <a:fld id="{78AC6A5B-8AE7-4A41-B5A7-9ADC6686DC18}" type="datetime1">
               <a:rPr lang="en-US" smtClean="0"/>
-              <a:t>5/28/2021</a:t>
+              <a:t>5/30/2021</a:t>
             </a:fld>
             <a:endParaRPr lang="en-US"/>
           </a:p>
@@ -5358,7 +5365,7 @@
             <a:fld id="{57E0CF6C-748E-4B7A-BC8B-3011EF78ED13}" type="datetime1">
               <a:rPr lang="en-US" smtClean="0"/>
               <a:pPr/>
-              <a:t>5/28/2021</a:t>
+              <a:t>5/30/2021</a:t>
             </a:fld>
             <a:endParaRPr lang="en-US" dirty="0"/>
           </a:p>
@@ -5989,6 +5996,172 @@
 </p:sld>
 </file>
 
+<file path=ppt/slides/slide10.xml><?xml version="1.0" encoding="utf-8"?>
+<p:sld xmlns:a="http://schemas.openxmlformats.org/drawingml/2006/main" xmlns:r="http://schemas.openxmlformats.org/officeDocument/2006/relationships" xmlns:p="http://schemas.openxmlformats.org/presentationml/2006/main">
+  <p:cSld>
+    <p:spTree>
+      <p:nvGrpSpPr>
+        <p:cNvPr id="1" name=""/>
+        <p:cNvGrpSpPr/>
+        <p:nvPr/>
+      </p:nvGrpSpPr>
+      <p:grpSpPr>
+        <a:xfrm>
+          <a:off x="0" y="0"/>
+          <a:ext cx="0" cy="0"/>
+          <a:chOff x="0" y="0"/>
+          <a:chExt cx="0" cy="0"/>
+        </a:xfrm>
+      </p:grpSpPr>
+      <p:sp>
+        <p:nvSpPr>
+          <p:cNvPr id="2" name="Title 1">
+            <a:extLst>
+              <a:ext uri="{FF2B5EF4-FFF2-40B4-BE49-F238E27FC236}">
+                <a16:creationId xmlns:a16="http://schemas.microsoft.com/office/drawing/2014/main" id="{F743EEDD-AB07-44CC-9136-C0BB9A948256}"/>
+              </a:ext>
+            </a:extLst>
+          </p:cNvPr>
+          <p:cNvSpPr>
+            <a:spLocks noGrp="1"/>
+          </p:cNvSpPr>
+          <p:nvPr>
+            <p:ph type="title"/>
+          </p:nvPr>
+        </p:nvSpPr>
+        <p:spPr/>
+        <p:txBody>
+          <a:bodyPr/>
+          <a:lstStyle/>
+          <a:p>
+            <a:r>
+              <a:rPr lang="en-SG" dirty="0"/>
+              <a:t>ML Pipeline</a:t>
+            </a:r>
+          </a:p>
+        </p:txBody>
+      </p:sp>
+      <p:sp>
+        <p:nvSpPr>
+          <p:cNvPr id="3" name="Content Placeholder 2">
+            <a:extLst>
+              <a:ext uri="{FF2B5EF4-FFF2-40B4-BE49-F238E27FC236}">
+                <a16:creationId xmlns:a16="http://schemas.microsoft.com/office/drawing/2014/main" id="{0A19D9F6-6E05-42A2-9716-DF8AA512CCCC}"/>
+              </a:ext>
+            </a:extLst>
+          </p:cNvPr>
+          <p:cNvSpPr>
+            <a:spLocks noGrp="1"/>
+          </p:cNvSpPr>
+          <p:nvPr>
+            <p:ph idx="1"/>
+          </p:nvPr>
+        </p:nvSpPr>
+        <p:spPr/>
+        <p:txBody>
+          <a:bodyPr/>
+          <a:lstStyle/>
+          <a:p>
+            <a:endParaRPr lang="en-SG"/>
+          </a:p>
+        </p:txBody>
+      </p:sp>
+    </p:spTree>
+    <p:extLst>
+      <p:ext uri="{BB962C8B-B14F-4D97-AF65-F5344CB8AC3E}">
+        <p14:creationId xmlns:p14="http://schemas.microsoft.com/office/powerpoint/2010/main" val="932405770"/>
+      </p:ext>
+    </p:extLst>
+  </p:cSld>
+  <p:clrMapOvr>
+    <a:masterClrMapping/>
+  </p:clrMapOvr>
+</p:sld>
+</file>
+
+<file path=ppt/slides/slide11.xml><?xml version="1.0" encoding="utf-8"?>
+<p:sld xmlns:a="http://schemas.openxmlformats.org/drawingml/2006/main" xmlns:r="http://schemas.openxmlformats.org/officeDocument/2006/relationships" xmlns:p="http://schemas.openxmlformats.org/presentationml/2006/main">
+  <p:cSld>
+    <p:spTree>
+      <p:nvGrpSpPr>
+        <p:cNvPr id="1" name=""/>
+        <p:cNvGrpSpPr/>
+        <p:nvPr/>
+      </p:nvGrpSpPr>
+      <p:grpSpPr>
+        <a:xfrm>
+          <a:off x="0" y="0"/>
+          <a:ext cx="0" cy="0"/>
+          <a:chOff x="0" y="0"/>
+          <a:chExt cx="0" cy="0"/>
+        </a:xfrm>
+      </p:grpSpPr>
+      <p:sp>
+        <p:nvSpPr>
+          <p:cNvPr id="2" name="Title 1">
+            <a:extLst>
+              <a:ext uri="{FF2B5EF4-FFF2-40B4-BE49-F238E27FC236}">
+                <a16:creationId xmlns:a16="http://schemas.microsoft.com/office/drawing/2014/main" id="{9A6E82F6-0CCE-4CD7-B291-F842B589B089}"/>
+              </a:ext>
+            </a:extLst>
+          </p:cNvPr>
+          <p:cNvSpPr>
+            <a:spLocks noGrp="1"/>
+          </p:cNvSpPr>
+          <p:nvPr>
+            <p:ph type="title"/>
+          </p:nvPr>
+        </p:nvSpPr>
+        <p:spPr/>
+        <p:txBody>
+          <a:bodyPr/>
+          <a:lstStyle/>
+          <a:p>
+            <a:r>
+              <a:rPr lang="en-SG" dirty="0"/>
+              <a:t>Model Evaluation</a:t>
+            </a:r>
+          </a:p>
+        </p:txBody>
+      </p:sp>
+      <p:sp>
+        <p:nvSpPr>
+          <p:cNvPr id="3" name="Content Placeholder 2">
+            <a:extLst>
+              <a:ext uri="{FF2B5EF4-FFF2-40B4-BE49-F238E27FC236}">
+                <a16:creationId xmlns:a16="http://schemas.microsoft.com/office/drawing/2014/main" id="{EB724E32-E061-4891-8D0D-AED61AD37511}"/>
+              </a:ext>
+            </a:extLst>
+          </p:cNvPr>
+          <p:cNvSpPr>
+            <a:spLocks noGrp="1"/>
+          </p:cNvSpPr>
+          <p:nvPr>
+            <p:ph idx="1"/>
+          </p:nvPr>
+        </p:nvSpPr>
+        <p:spPr/>
+        <p:txBody>
+          <a:bodyPr/>
+          <a:lstStyle/>
+          <a:p>
+            <a:endParaRPr lang="en-SG"/>
+          </a:p>
+        </p:txBody>
+      </p:sp>
+    </p:spTree>
+    <p:extLst>
+      <p:ext uri="{BB962C8B-B14F-4D97-AF65-F5344CB8AC3E}">
+        <p14:creationId xmlns:p14="http://schemas.microsoft.com/office/powerpoint/2010/main" val="1643099055"/>
+      </p:ext>
+    </p:extLst>
+  </p:cSld>
+  <p:clrMapOvr>
+    <a:masterClrMapping/>
+  </p:clrMapOvr>
+</p:sld>
+</file>
+
 <file path=ppt/slides/slide2.xml><?xml version="1.0" encoding="utf-8"?>
 <p:sld xmlns:a="http://schemas.openxmlformats.org/drawingml/2006/main" xmlns:r="http://schemas.openxmlformats.org/officeDocument/2006/relationships" xmlns:p="http://schemas.openxmlformats.org/presentationml/2006/main">
   <p:cSld>
@@ -6440,7 +6613,7 @@
         <p:spPr>
           <a:xfrm>
             <a:off x="919986" y="5486401"/>
-            <a:ext cx="6005170" cy="369332"/>
+            <a:ext cx="8008924" cy="369332"/>
           </a:xfrm>
           <a:prstGeom prst="rect">
             <a:avLst/>
@@ -6455,7 +6628,7 @@
           <a:p>
             <a:r>
               <a:rPr lang="en-SG" dirty="0"/>
-              <a:t>To begin, we inspect the data and view its summary</a:t>
+              <a:t>To begin, we inspect the data and view any patterns in its distributions</a:t>
             </a:r>
           </a:p>
         </p:txBody>
@@ -6494,6 +6667,870 @@
     <p:extLst>
       <p:ext uri="{BB962C8B-B14F-4D97-AF65-F5344CB8AC3E}">
         <p14:creationId xmlns:p14="http://schemas.microsoft.com/office/powerpoint/2010/main" val="3447225769"/>
+      </p:ext>
+    </p:extLst>
+  </p:cSld>
+  <p:clrMapOvr>
+    <a:masterClrMapping/>
+  </p:clrMapOvr>
+</p:sld>
+</file>
+
+<file path=ppt/slides/slide5.xml><?xml version="1.0" encoding="utf-8"?>
+<p:sld xmlns:a="http://schemas.openxmlformats.org/drawingml/2006/main" xmlns:r="http://schemas.openxmlformats.org/officeDocument/2006/relationships" xmlns:p="http://schemas.openxmlformats.org/presentationml/2006/main">
+  <p:cSld>
+    <p:bg>
+      <p:bgPr>
+        <a:solidFill>
+          <a:schemeClr val="bg1"/>
+        </a:solidFill>
+        <a:effectLst/>
+      </p:bgPr>
+    </p:bg>
+    <p:spTree>
+      <p:nvGrpSpPr>
+        <p:cNvPr id="1" name=""/>
+        <p:cNvGrpSpPr/>
+        <p:nvPr/>
+      </p:nvGrpSpPr>
+      <p:grpSpPr>
+        <a:xfrm>
+          <a:off x="0" y="0"/>
+          <a:ext cx="0" cy="0"/>
+          <a:chOff x="0" y="0"/>
+          <a:chExt cx="0" cy="0"/>
+        </a:xfrm>
+      </p:grpSpPr>
+      <p:pic>
+        <p:nvPicPr>
+          <p:cNvPr id="16" name="Picture 15">
+            <a:extLst>
+              <a:ext uri="{FF2B5EF4-FFF2-40B4-BE49-F238E27FC236}">
+                <a16:creationId xmlns:a16="http://schemas.microsoft.com/office/drawing/2014/main" id="{BDFADFB3-3D44-49A8-AE3B-A87C61607F7E}"/>
+              </a:ext>
+              <a:ext uri="{C183D7F6-B498-43B3-948B-1728B52AA6E4}">
+                <adec:decorative xmlns:adec="http://schemas.microsoft.com/office/drawing/2017/decorative" val="1"/>
+              </a:ext>
+            </a:extLst>
+          </p:cNvPr>
+          <p:cNvPicPr>
+            <a:picLocks noGrp="1" noRot="1" noChangeAspect="1" noMove="1" noResize="1" noEditPoints="1" noAdjustHandles="1" noChangeArrowheads="1" noChangeShapeType="1" noCrop="1"/>
+          </p:cNvPicPr>
+          <p:nvPr>
+            <p:extLst>
+              <p:ext uri="{386F3935-93C4-4BCD-93E2-E3B085C9AB24}">
+                <p16:designElem xmlns:p16="http://schemas.microsoft.com/office/powerpoint/2015/main" val="1"/>
+              </p:ext>
+            </p:extLst>
+          </p:nvPr>
+        </p:nvPicPr>
+        <p:blipFill>
+          <a:blip r:embed="rId2">
+            <a:extLst>
+              <a:ext uri="{28A0092B-C50C-407E-A947-70E740481C1C}">
+                <a14:useLocalDpi xmlns:a14="http://schemas.microsoft.com/office/drawing/2010/main" val="0"/>
+              </a:ext>
+            </a:extLst>
+          </a:blip>
+          <a:stretch>
+            <a:fillRect/>
+          </a:stretch>
+        </p:blipFill>
+        <p:spPr>
+          <a:xfrm>
+            <a:off x="0" y="0"/>
+            <a:ext cx="12192000" cy="1441450"/>
+          </a:xfrm>
+          <a:prstGeom prst="rect">
+            <a:avLst/>
+          </a:prstGeom>
+        </p:spPr>
+      </p:pic>
+      <p:sp>
+        <p:nvSpPr>
+          <p:cNvPr id="2" name="Title 1">
+            <a:extLst>
+              <a:ext uri="{FF2B5EF4-FFF2-40B4-BE49-F238E27FC236}">
+                <a16:creationId xmlns:a16="http://schemas.microsoft.com/office/drawing/2014/main" id="{99DC1BDC-B7F8-431D-BE03-951FD86CBC2D}"/>
+              </a:ext>
+            </a:extLst>
+          </p:cNvPr>
+          <p:cNvSpPr>
+            <a:spLocks noGrp="1"/>
+          </p:cNvSpPr>
+          <p:nvPr>
+            <p:ph type="title"/>
+          </p:nvPr>
+        </p:nvSpPr>
+        <p:spPr>
+          <a:xfrm>
+            <a:off x="2895600" y="764373"/>
+            <a:ext cx="8610600" cy="1293028"/>
+          </a:xfrm>
+        </p:spPr>
+        <p:txBody>
+          <a:bodyPr vert="horz" lIns="91440" tIns="45720" rIns="91440" bIns="45720" rtlCol="0" anchor="ctr">
+            <a:normAutofit/>
+          </a:bodyPr>
+          <a:lstStyle/>
+          <a:p>
+            <a:r>
+              <a:rPr lang="en-US" kern="1200" cap="all" baseline="0" dirty="0">
+                <a:solidFill>
+                  <a:schemeClr val="tx1"/>
+                </a:solidFill>
+                <a:latin typeface="+mj-lt"/>
+                <a:ea typeface="+mj-ea"/>
+                <a:cs typeface="+mj-cs"/>
+              </a:rPr>
+              <a:t>Exploratory data analysis</a:t>
+            </a:r>
+          </a:p>
+        </p:txBody>
+      </p:sp>
+      <p:sp>
+        <p:nvSpPr>
+          <p:cNvPr id="7" name="Content Placeholder 6">
+            <a:extLst>
+              <a:ext uri="{FF2B5EF4-FFF2-40B4-BE49-F238E27FC236}">
+                <a16:creationId xmlns:a16="http://schemas.microsoft.com/office/drawing/2014/main" id="{2A96676E-FC32-4EE3-8585-EC32EE292F3F}"/>
+              </a:ext>
+            </a:extLst>
+          </p:cNvPr>
+          <p:cNvSpPr>
+            <a:spLocks noGrp="1"/>
+          </p:cNvSpPr>
+          <p:nvPr>
+            <p:ph sz="half" idx="2"/>
+          </p:nvPr>
+        </p:nvSpPr>
+        <p:spPr>
+          <a:xfrm>
+            <a:off x="677333" y="2194560"/>
+            <a:ext cx="5816600" cy="4024125"/>
+          </a:xfrm>
+        </p:spPr>
+        <p:txBody>
+          <a:bodyPr vert="horz" lIns="91440" tIns="45720" rIns="91440" bIns="45720" rtlCol="0">
+            <a:normAutofit/>
+          </a:bodyPr>
+          <a:lstStyle/>
+          <a:p>
+            <a:r>
+              <a:rPr lang="en-US" sz="2000" dirty="0"/>
+              <a:t>I used a chi2-based correlation</a:t>
+            </a:r>
+          </a:p>
+          <a:p>
+            <a:r>
+              <a:rPr lang="en-US" sz="2000" dirty="0"/>
+              <a:t>This is how it works:</a:t>
+            </a:r>
+          </a:p>
+          <a:p>
+            <a:pPr lvl="1"/>
+            <a:r>
+              <a:rPr lang="en-US" dirty="0"/>
+              <a:t>The more edibility is evenly distributed among a certain attribute, the less it is correlated to edibility</a:t>
+            </a:r>
+          </a:p>
+          <a:p>
+            <a:pPr lvl="1"/>
+            <a:r>
+              <a:rPr lang="en-US" dirty="0"/>
+              <a:t>For example, among 1,000 mushrooms with pink gills, if 500 are edible and the rest are poisonous, then pink gills is not a good indicator of whether a mushroom is poisonous</a:t>
+            </a:r>
+          </a:p>
+          <a:p>
+            <a:r>
+              <a:rPr lang="en-US" sz="2000" dirty="0"/>
+              <a:t>No columns/features were removed solely based on their correlations with the edibility</a:t>
+            </a:r>
+          </a:p>
+        </p:txBody>
+      </p:sp>
+      <p:pic>
+        <p:nvPicPr>
+          <p:cNvPr id="11" name="Content Placeholder 10" descr="Chart, bar chart&#10;&#10;Description automatically generated">
+            <a:extLst>
+              <a:ext uri="{FF2B5EF4-FFF2-40B4-BE49-F238E27FC236}">
+                <a16:creationId xmlns:a16="http://schemas.microsoft.com/office/drawing/2014/main" id="{915D8C3B-B204-4413-82E9-E7CB31FF9A09}"/>
+              </a:ext>
+            </a:extLst>
+          </p:cNvPr>
+          <p:cNvPicPr>
+            <a:picLocks noGrp="1" noChangeAspect="1"/>
+          </p:cNvPicPr>
+          <p:nvPr>
+            <p:ph sz="half" idx="1"/>
+          </p:nvPr>
+        </p:nvPicPr>
+        <p:blipFill>
+          <a:blip r:embed="rId3"/>
+          <a:stretch>
+            <a:fillRect/>
+          </a:stretch>
+        </p:blipFill>
+        <p:spPr>
+          <a:xfrm>
+            <a:off x="6985000" y="2905602"/>
+            <a:ext cx="4521200" cy="2373629"/>
+          </a:xfrm>
+          <a:prstGeom prst="rect">
+            <a:avLst/>
+          </a:prstGeom>
+        </p:spPr>
+      </p:pic>
+    </p:spTree>
+    <p:extLst>
+      <p:ext uri="{BB962C8B-B14F-4D97-AF65-F5344CB8AC3E}">
+        <p14:creationId xmlns:p14="http://schemas.microsoft.com/office/powerpoint/2010/main" val="1636686909"/>
+      </p:ext>
+    </p:extLst>
+  </p:cSld>
+  <p:clrMapOvr>
+    <a:masterClrMapping/>
+  </p:clrMapOvr>
+</p:sld>
+</file>
+
+<file path=ppt/slides/slide6.xml><?xml version="1.0" encoding="utf-8"?>
+<p:sld xmlns:a="http://schemas.openxmlformats.org/drawingml/2006/main" xmlns:r="http://schemas.openxmlformats.org/officeDocument/2006/relationships" xmlns:p="http://schemas.openxmlformats.org/presentationml/2006/main">
+  <p:cSld>
+    <p:spTree>
+      <p:nvGrpSpPr>
+        <p:cNvPr id="1" name=""/>
+        <p:cNvGrpSpPr/>
+        <p:nvPr/>
+      </p:nvGrpSpPr>
+      <p:grpSpPr>
+        <a:xfrm>
+          <a:off x="0" y="0"/>
+          <a:ext cx="0" cy="0"/>
+          <a:chOff x="0" y="0"/>
+          <a:chExt cx="0" cy="0"/>
+        </a:xfrm>
+      </p:grpSpPr>
+      <p:pic>
+        <p:nvPicPr>
+          <p:cNvPr id="18" name="Picture 17">
+            <a:extLst>
+              <a:ext uri="{FF2B5EF4-FFF2-40B4-BE49-F238E27FC236}">
+                <a16:creationId xmlns:a16="http://schemas.microsoft.com/office/drawing/2014/main" id="{CFD580F5-E7BF-4C1D-BEFD-4A4601EBA876}"/>
+              </a:ext>
+              <a:ext uri="{C183D7F6-B498-43B3-948B-1728B52AA6E4}">
+                <adec:decorative xmlns:adec="http://schemas.microsoft.com/office/drawing/2017/decorative" val="1"/>
+              </a:ext>
+            </a:extLst>
+          </p:cNvPr>
+          <p:cNvPicPr>
+            <a:picLocks noGrp="1" noRot="1" noChangeAspect="1" noMove="1" noResize="1" noEditPoints="1" noAdjustHandles="1" noChangeArrowheads="1" noChangeShapeType="1" noCrop="1"/>
+          </p:cNvPicPr>
+          <p:nvPr>
+            <p:extLst>
+              <p:ext uri="{386F3935-93C4-4BCD-93E2-E3B085C9AB24}">
+                <p16:designElem xmlns:p16="http://schemas.microsoft.com/office/powerpoint/2015/main" val="1"/>
+              </p:ext>
+            </p:extLst>
+          </p:nvPr>
+        </p:nvPicPr>
+        <p:blipFill>
+          <a:blip r:embed="rId2">
+            <a:extLst>
+              <a:ext uri="{28A0092B-C50C-407E-A947-70E740481C1C}">
+                <a14:useLocalDpi xmlns:a14="http://schemas.microsoft.com/office/drawing/2010/main" val="0"/>
+              </a:ext>
+            </a:extLst>
+          </a:blip>
+          <a:stretch>
+            <a:fillRect/>
+          </a:stretch>
+        </p:blipFill>
+        <p:spPr>
+          <a:xfrm>
+            <a:off x="0" y="0"/>
+            <a:ext cx="12192000" cy="1441450"/>
+          </a:xfrm>
+          <a:prstGeom prst="rect">
+            <a:avLst/>
+          </a:prstGeom>
+        </p:spPr>
+      </p:pic>
+      <p:sp>
+        <p:nvSpPr>
+          <p:cNvPr id="2" name="Title 1">
+            <a:extLst>
+              <a:ext uri="{FF2B5EF4-FFF2-40B4-BE49-F238E27FC236}">
+                <a16:creationId xmlns:a16="http://schemas.microsoft.com/office/drawing/2014/main" id="{835EACF9-155E-4593-8D7D-D711A886E032}"/>
+              </a:ext>
+            </a:extLst>
+          </p:cNvPr>
+          <p:cNvSpPr>
+            <a:spLocks noGrp="1"/>
+          </p:cNvSpPr>
+          <p:nvPr>
+            <p:ph type="title"/>
+          </p:nvPr>
+        </p:nvSpPr>
+        <p:spPr>
+          <a:xfrm>
+            <a:off x="279400" y="1478090"/>
+            <a:ext cx="6111611" cy="1023069"/>
+          </a:xfrm>
+        </p:spPr>
+        <p:txBody>
+          <a:bodyPr anchor="ctr"/>
+          <a:lstStyle/>
+          <a:p>
+            <a:pPr algn="l"/>
+            <a:r>
+              <a:rPr lang="en-US" dirty="0"/>
+              <a:t>Feature Selection</a:t>
+            </a:r>
+          </a:p>
+        </p:txBody>
+      </p:sp>
+      <p:sp>
+        <p:nvSpPr>
+          <p:cNvPr id="4" name="Content Placeholder 3">
+            <a:extLst>
+              <a:ext uri="{FF2B5EF4-FFF2-40B4-BE49-F238E27FC236}">
+                <a16:creationId xmlns:a16="http://schemas.microsoft.com/office/drawing/2014/main" id="{DF90FEA8-28E5-4E4F-A018-5D25D8498DB2}"/>
+              </a:ext>
+            </a:extLst>
+          </p:cNvPr>
+          <p:cNvSpPr>
+            <a:spLocks noGrp="1"/>
+          </p:cNvSpPr>
+          <p:nvPr>
+            <p:ph sz="half" idx="2"/>
+          </p:nvPr>
+        </p:nvSpPr>
+        <p:spPr>
+          <a:xfrm>
+            <a:off x="279400" y="2501159"/>
+            <a:ext cx="5816600" cy="4024125"/>
+          </a:xfrm>
+        </p:spPr>
+        <p:txBody>
+          <a:bodyPr>
+            <a:normAutofit lnSpcReduction="10000"/>
+          </a:bodyPr>
+          <a:lstStyle/>
+          <a:p>
+            <a:r>
+              <a:rPr lang="en-US" dirty="0"/>
+              <a:t>The columns “stalk-root” and “veil-type” were removed</a:t>
+            </a:r>
+          </a:p>
+          <a:p>
+            <a:r>
+              <a:rPr lang="en-US" dirty="0"/>
+              <a:t>Stalk-Root:</a:t>
+            </a:r>
+          </a:p>
+          <a:p>
+            <a:pPr lvl="1"/>
+            <a:r>
+              <a:rPr lang="en-US" dirty="0"/>
+              <a:t>because there are a lot of missing values (31%, in fact)</a:t>
+            </a:r>
+          </a:p>
+          <a:p>
+            <a:pPr lvl="1"/>
+            <a:r>
+              <a:rPr lang="en-US" dirty="0"/>
+              <a:t>imputation would either introduce bias or misrepresent the data</a:t>
+            </a:r>
+          </a:p>
+          <a:p>
+            <a:pPr lvl="1"/>
+            <a:r>
+              <a:rPr lang="en-US" dirty="0"/>
+              <a:t>there are enough dimensions beside stalk-root, so removal is harmless</a:t>
+            </a:r>
+          </a:p>
+          <a:p>
+            <a:r>
+              <a:rPr lang="en-US" dirty="0"/>
+              <a:t>Veil-Type</a:t>
+            </a:r>
+          </a:p>
+          <a:p>
+            <a:pPr lvl="1"/>
+            <a:r>
+              <a:rPr lang="en-US" dirty="0"/>
+              <a:t>because there is only one unique value (partial veil)</a:t>
+            </a:r>
+          </a:p>
+          <a:p>
+            <a:pPr lvl="1"/>
+            <a:r>
+              <a:rPr lang="en-US" dirty="0"/>
+              <a:t>it is therefore redundant</a:t>
+            </a:r>
+          </a:p>
+        </p:txBody>
+      </p:sp>
+      <p:pic>
+        <p:nvPicPr>
+          <p:cNvPr id="8" name="Picture 7">
+            <a:extLst>
+              <a:ext uri="{FF2B5EF4-FFF2-40B4-BE49-F238E27FC236}">
+                <a16:creationId xmlns:a16="http://schemas.microsoft.com/office/drawing/2014/main" id="{8B24F225-CF76-4497-8D8B-C2D28D5BBE55}"/>
+              </a:ext>
+            </a:extLst>
+          </p:cNvPr>
+          <p:cNvPicPr>
+            <a:picLocks noChangeAspect="1"/>
+          </p:cNvPicPr>
+          <p:nvPr/>
+        </p:nvPicPr>
+        <p:blipFill>
+          <a:blip r:embed="rId3"/>
+          <a:stretch>
+            <a:fillRect/>
+          </a:stretch>
+        </p:blipFill>
+        <p:spPr>
+          <a:xfrm>
+            <a:off x="7042161" y="2194559"/>
+            <a:ext cx="3924847" cy="3631400"/>
+          </a:xfrm>
+          <a:prstGeom prst="rect">
+            <a:avLst/>
+          </a:prstGeom>
+        </p:spPr>
+      </p:pic>
+      <p:pic>
+        <p:nvPicPr>
+          <p:cNvPr id="10" name="Picture 9">
+            <a:extLst>
+              <a:ext uri="{FF2B5EF4-FFF2-40B4-BE49-F238E27FC236}">
+                <a16:creationId xmlns:a16="http://schemas.microsoft.com/office/drawing/2014/main" id="{9A830D25-D983-43EF-B997-969E97F851DD}"/>
+              </a:ext>
+            </a:extLst>
+          </p:cNvPr>
+          <p:cNvPicPr>
+            <a:picLocks noChangeAspect="1"/>
+          </p:cNvPicPr>
+          <p:nvPr/>
+        </p:nvPicPr>
+        <p:blipFill>
+          <a:blip r:embed="rId4"/>
+          <a:stretch>
+            <a:fillRect/>
+          </a:stretch>
+        </p:blipFill>
+        <p:spPr>
+          <a:xfrm>
+            <a:off x="7042160" y="6044510"/>
+            <a:ext cx="3924848" cy="374508"/>
+          </a:xfrm>
+          <a:prstGeom prst="rect">
+            <a:avLst/>
+          </a:prstGeom>
+        </p:spPr>
+      </p:pic>
+      <p:pic>
+        <p:nvPicPr>
+          <p:cNvPr id="14" name="Picture 13">
+            <a:extLst>
+              <a:ext uri="{FF2B5EF4-FFF2-40B4-BE49-F238E27FC236}">
+                <a16:creationId xmlns:a16="http://schemas.microsoft.com/office/drawing/2014/main" id="{A23F77A0-5252-43B4-9EF4-5AF861BF6ECA}"/>
+              </a:ext>
+            </a:extLst>
+          </p:cNvPr>
+          <p:cNvPicPr>
+            <a:picLocks noChangeAspect="1"/>
+          </p:cNvPicPr>
+          <p:nvPr/>
+        </p:nvPicPr>
+        <p:blipFill>
+          <a:blip r:embed="rId5"/>
+          <a:stretch>
+            <a:fillRect/>
+          </a:stretch>
+        </p:blipFill>
+        <p:spPr>
+          <a:xfrm>
+            <a:off x="7042161" y="385111"/>
+            <a:ext cx="3924848" cy="1590897"/>
+          </a:xfrm>
+          <a:prstGeom prst="rect">
+            <a:avLst/>
+          </a:prstGeom>
+        </p:spPr>
+      </p:pic>
+    </p:spTree>
+    <p:extLst>
+      <p:ext uri="{BB962C8B-B14F-4D97-AF65-F5344CB8AC3E}">
+        <p14:creationId xmlns:p14="http://schemas.microsoft.com/office/powerpoint/2010/main" val="2627993594"/>
+      </p:ext>
+    </p:extLst>
+  </p:cSld>
+  <p:clrMapOvr>
+    <a:masterClrMapping/>
+  </p:clrMapOvr>
+</p:sld>
+</file>
+
+<file path=ppt/slides/slide7.xml><?xml version="1.0" encoding="utf-8"?>
+<p:sld xmlns:a="http://schemas.openxmlformats.org/drawingml/2006/main" xmlns:r="http://schemas.openxmlformats.org/officeDocument/2006/relationships" xmlns:p="http://schemas.openxmlformats.org/presentationml/2006/main">
+  <p:cSld>
+    <p:spTree>
+      <p:nvGrpSpPr>
+        <p:cNvPr id="1" name=""/>
+        <p:cNvGrpSpPr/>
+        <p:nvPr/>
+      </p:nvGrpSpPr>
+      <p:grpSpPr>
+        <a:xfrm>
+          <a:off x="0" y="0"/>
+          <a:ext cx="0" cy="0"/>
+          <a:chOff x="0" y="0"/>
+          <a:chExt cx="0" cy="0"/>
+        </a:xfrm>
+      </p:grpSpPr>
+      <p:sp>
+        <p:nvSpPr>
+          <p:cNvPr id="2" name="Title 1">
+            <a:extLst>
+              <a:ext uri="{FF2B5EF4-FFF2-40B4-BE49-F238E27FC236}">
+                <a16:creationId xmlns:a16="http://schemas.microsoft.com/office/drawing/2014/main" id="{EA118FB2-01B5-4169-ACD0-5DF9DB60248B}"/>
+              </a:ext>
+            </a:extLst>
+          </p:cNvPr>
+          <p:cNvSpPr>
+            <a:spLocks noGrp="1"/>
+          </p:cNvSpPr>
+          <p:nvPr>
+            <p:ph type="title"/>
+          </p:nvPr>
+        </p:nvSpPr>
+        <p:spPr/>
+        <p:txBody>
+          <a:bodyPr/>
+          <a:lstStyle/>
+          <a:p>
+            <a:r>
+              <a:rPr lang="en-SG" dirty="0"/>
+              <a:t>Data Partition</a:t>
+            </a:r>
+          </a:p>
+        </p:txBody>
+      </p:sp>
+      <p:sp>
+        <p:nvSpPr>
+          <p:cNvPr id="3" name="Content Placeholder 2">
+            <a:extLst>
+              <a:ext uri="{FF2B5EF4-FFF2-40B4-BE49-F238E27FC236}">
+                <a16:creationId xmlns:a16="http://schemas.microsoft.com/office/drawing/2014/main" id="{8AEC4D7F-DD97-43E3-B9AC-56A9F43F1C8F}"/>
+              </a:ext>
+            </a:extLst>
+          </p:cNvPr>
+          <p:cNvSpPr>
+            <a:spLocks noGrp="1"/>
+          </p:cNvSpPr>
+          <p:nvPr>
+            <p:ph idx="1"/>
+          </p:nvPr>
+        </p:nvSpPr>
+        <p:spPr/>
+        <p:txBody>
+          <a:bodyPr/>
+          <a:lstStyle/>
+          <a:p>
+            <a:endParaRPr lang="en-SG" dirty="0"/>
+          </a:p>
+        </p:txBody>
+      </p:sp>
+      <p:sp>
+        <p:nvSpPr>
+          <p:cNvPr id="4" name="Text Placeholder 3">
+            <a:extLst>
+              <a:ext uri="{FF2B5EF4-FFF2-40B4-BE49-F238E27FC236}">
+                <a16:creationId xmlns:a16="http://schemas.microsoft.com/office/drawing/2014/main" id="{B06F464D-4718-46BA-AA56-FEEC68D11EF8}"/>
+              </a:ext>
+            </a:extLst>
+          </p:cNvPr>
+          <p:cNvSpPr>
+            <a:spLocks noGrp="1"/>
+          </p:cNvSpPr>
+          <p:nvPr>
+            <p:ph type="body" sz="half" idx="2"/>
+          </p:nvPr>
+        </p:nvSpPr>
+        <p:spPr/>
+        <p:txBody>
+          <a:bodyPr>
+            <a:normAutofit fontScale="92500" lnSpcReduction="10000"/>
+          </a:bodyPr>
+          <a:lstStyle/>
+          <a:p>
+            <a:r>
+              <a:rPr lang="en-SG" sz="1800" dirty="0"/>
+              <a:t>The data is partitioned in the same way for regression.</a:t>
+            </a:r>
+          </a:p>
+          <a:p>
+            <a:r>
+              <a:rPr lang="en-SG" sz="1800" dirty="0"/>
+              <a:t>It prevents data leakage from the test set and preserves a fragmented copy of the original dataset for final evaluation through the machine learning pipeline</a:t>
+            </a:r>
+          </a:p>
+          <a:p>
+            <a:r>
+              <a:rPr lang="en-SG" sz="1800" dirty="0"/>
+              <a:t>df and </a:t>
+            </a:r>
+            <a:r>
+              <a:rPr lang="en-SG" sz="1800" dirty="0" err="1"/>
+              <a:t>df_build</a:t>
+            </a:r>
+            <a:r>
+              <a:rPr lang="en-SG" sz="1800" dirty="0"/>
+              <a:t> are modifiable</a:t>
+            </a:r>
+          </a:p>
+          <a:p>
+            <a:r>
+              <a:rPr lang="en-SG" sz="1800" dirty="0" err="1"/>
+              <a:t>X_build</a:t>
+            </a:r>
+            <a:r>
+              <a:rPr lang="en-SG" sz="1800" dirty="0"/>
+              <a:t>, </a:t>
+            </a:r>
+            <a:r>
+              <a:rPr lang="en-SG" sz="1800" dirty="0" err="1"/>
+              <a:t>X_final</a:t>
+            </a:r>
+            <a:r>
+              <a:rPr lang="en-SG" sz="1800" dirty="0"/>
+              <a:t>, </a:t>
+            </a:r>
+            <a:r>
+              <a:rPr lang="en-SG" sz="1800" dirty="0" err="1"/>
+              <a:t>y_build</a:t>
+            </a:r>
+            <a:r>
+              <a:rPr lang="en-SG" sz="1800" dirty="0"/>
+              <a:t> and </a:t>
+            </a:r>
+            <a:r>
+              <a:rPr lang="en-SG" sz="1800" dirty="0" err="1"/>
+              <a:t>y_final</a:t>
+            </a:r>
+            <a:r>
+              <a:rPr lang="en-SG" sz="1800" dirty="0"/>
+              <a:t> can be thought of as </a:t>
+            </a:r>
+            <a:r>
+              <a:rPr lang="en-SG" sz="1800" dirty="0" err="1"/>
+              <a:t>X_train</a:t>
+            </a:r>
+            <a:r>
+              <a:rPr lang="en-SG" sz="1800" dirty="0"/>
+              <a:t>, </a:t>
+            </a:r>
+            <a:r>
+              <a:rPr lang="en-SG" sz="1800" dirty="0" err="1"/>
+              <a:t>X_test</a:t>
+            </a:r>
+            <a:r>
+              <a:rPr lang="en-SG" sz="1800" dirty="0"/>
+              <a:t>, </a:t>
+            </a:r>
+            <a:r>
+              <a:rPr lang="en-SG" sz="1800" dirty="0" err="1"/>
+              <a:t>y_train</a:t>
+            </a:r>
+            <a:r>
+              <a:rPr lang="en-SG" sz="1800" dirty="0"/>
+              <a:t> and </a:t>
+            </a:r>
+            <a:r>
+              <a:rPr lang="en-SG" sz="1800" dirty="0" err="1"/>
+              <a:t>y_test</a:t>
+            </a:r>
+            <a:r>
+              <a:rPr lang="en-SG" sz="1800" dirty="0"/>
+              <a:t> for the final model respectively</a:t>
+            </a:r>
+          </a:p>
+        </p:txBody>
+      </p:sp>
+    </p:spTree>
+    <p:extLst>
+      <p:ext uri="{BB962C8B-B14F-4D97-AF65-F5344CB8AC3E}">
+        <p14:creationId xmlns:p14="http://schemas.microsoft.com/office/powerpoint/2010/main" val="414414168"/>
+      </p:ext>
+    </p:extLst>
+  </p:cSld>
+  <p:clrMapOvr>
+    <a:masterClrMapping/>
+  </p:clrMapOvr>
+</p:sld>
+</file>
+
+<file path=ppt/slides/slide8.xml><?xml version="1.0" encoding="utf-8"?>
+<p:sld xmlns:a="http://schemas.openxmlformats.org/drawingml/2006/main" xmlns:r="http://schemas.openxmlformats.org/officeDocument/2006/relationships" xmlns:p="http://schemas.openxmlformats.org/presentationml/2006/main">
+  <p:cSld>
+    <p:spTree>
+      <p:nvGrpSpPr>
+        <p:cNvPr id="1" name=""/>
+        <p:cNvGrpSpPr/>
+        <p:nvPr/>
+      </p:nvGrpSpPr>
+      <p:grpSpPr>
+        <a:xfrm>
+          <a:off x="0" y="0"/>
+          <a:ext cx="0" cy="0"/>
+          <a:chOff x="0" y="0"/>
+          <a:chExt cx="0" cy="0"/>
+        </a:xfrm>
+      </p:grpSpPr>
+      <p:sp>
+        <p:nvSpPr>
+          <p:cNvPr id="2" name="Title 1">
+            <a:extLst>
+              <a:ext uri="{FF2B5EF4-FFF2-40B4-BE49-F238E27FC236}">
+                <a16:creationId xmlns:a16="http://schemas.microsoft.com/office/drawing/2014/main" id="{3D3D3E65-D147-42A3-9C61-D5A2AC85A6AC}"/>
+              </a:ext>
+            </a:extLst>
+          </p:cNvPr>
+          <p:cNvSpPr>
+            <a:spLocks noGrp="1"/>
+          </p:cNvSpPr>
+          <p:nvPr>
+            <p:ph type="title"/>
+          </p:nvPr>
+        </p:nvSpPr>
+        <p:spPr/>
+        <p:txBody>
+          <a:bodyPr/>
+          <a:lstStyle/>
+          <a:p>
+            <a:r>
+              <a:rPr lang="en-SG" dirty="0"/>
+              <a:t>Best Algorithm</a:t>
+            </a:r>
+          </a:p>
+        </p:txBody>
+      </p:sp>
+      <p:sp>
+        <p:nvSpPr>
+          <p:cNvPr id="3" name="Content Placeholder 2">
+            <a:extLst>
+              <a:ext uri="{FF2B5EF4-FFF2-40B4-BE49-F238E27FC236}">
+                <a16:creationId xmlns:a16="http://schemas.microsoft.com/office/drawing/2014/main" id="{E44CD7C8-BEB9-405E-867F-B4037D905D34}"/>
+              </a:ext>
+            </a:extLst>
+          </p:cNvPr>
+          <p:cNvSpPr>
+            <a:spLocks noGrp="1"/>
+          </p:cNvSpPr>
+          <p:nvPr>
+            <p:ph idx="1"/>
+          </p:nvPr>
+        </p:nvSpPr>
+        <p:spPr/>
+        <p:txBody>
+          <a:bodyPr/>
+          <a:lstStyle/>
+          <a:p>
+            <a:endParaRPr lang="en-SG" dirty="0"/>
+          </a:p>
+        </p:txBody>
+      </p:sp>
+    </p:spTree>
+    <p:extLst>
+      <p:ext uri="{BB962C8B-B14F-4D97-AF65-F5344CB8AC3E}">
+        <p14:creationId xmlns:p14="http://schemas.microsoft.com/office/powerpoint/2010/main" val="2176544861"/>
+      </p:ext>
+    </p:extLst>
+  </p:cSld>
+  <p:clrMapOvr>
+    <a:masterClrMapping/>
+  </p:clrMapOvr>
+</p:sld>
+</file>
+
+<file path=ppt/slides/slide9.xml><?xml version="1.0" encoding="utf-8"?>
+<p:sld xmlns:a="http://schemas.openxmlformats.org/drawingml/2006/main" xmlns:r="http://schemas.openxmlformats.org/officeDocument/2006/relationships" xmlns:p="http://schemas.openxmlformats.org/presentationml/2006/main">
+  <p:cSld>
+    <p:spTree>
+      <p:nvGrpSpPr>
+        <p:cNvPr id="1" name=""/>
+        <p:cNvGrpSpPr/>
+        <p:nvPr/>
+      </p:nvGrpSpPr>
+      <p:grpSpPr>
+        <a:xfrm>
+          <a:off x="0" y="0"/>
+          <a:ext cx="0" cy="0"/>
+          <a:chOff x="0" y="0"/>
+          <a:chExt cx="0" cy="0"/>
+        </a:xfrm>
+      </p:grpSpPr>
+      <p:sp>
+        <p:nvSpPr>
+          <p:cNvPr id="2" name="Title 1">
+            <a:extLst>
+              <a:ext uri="{FF2B5EF4-FFF2-40B4-BE49-F238E27FC236}">
+                <a16:creationId xmlns:a16="http://schemas.microsoft.com/office/drawing/2014/main" id="{3D3D3E65-D147-42A3-9C61-D5A2AC85A6AC}"/>
+              </a:ext>
+            </a:extLst>
+          </p:cNvPr>
+          <p:cNvSpPr>
+            <a:spLocks noGrp="1"/>
+          </p:cNvSpPr>
+          <p:nvPr>
+            <p:ph type="title"/>
+          </p:nvPr>
+        </p:nvSpPr>
+        <p:spPr/>
+        <p:txBody>
+          <a:bodyPr/>
+          <a:lstStyle/>
+          <a:p>
+            <a:r>
+              <a:rPr lang="en-SG" dirty="0"/>
+              <a:t>Best Hyper-Parameters</a:t>
+            </a:r>
+          </a:p>
+        </p:txBody>
+      </p:sp>
+      <p:sp>
+        <p:nvSpPr>
+          <p:cNvPr id="3" name="Content Placeholder 2">
+            <a:extLst>
+              <a:ext uri="{FF2B5EF4-FFF2-40B4-BE49-F238E27FC236}">
+                <a16:creationId xmlns:a16="http://schemas.microsoft.com/office/drawing/2014/main" id="{E44CD7C8-BEB9-405E-867F-B4037D905D34}"/>
+              </a:ext>
+            </a:extLst>
+          </p:cNvPr>
+          <p:cNvSpPr>
+            <a:spLocks noGrp="1"/>
+          </p:cNvSpPr>
+          <p:nvPr>
+            <p:ph idx="1"/>
+          </p:nvPr>
+        </p:nvSpPr>
+        <p:spPr/>
+        <p:txBody>
+          <a:bodyPr/>
+          <a:lstStyle/>
+          <a:p>
+            <a:endParaRPr lang="en-SG" dirty="0"/>
+          </a:p>
+        </p:txBody>
+      </p:sp>
+    </p:spTree>
+    <p:extLst>
+      <p:ext uri="{BB962C8B-B14F-4D97-AF65-F5344CB8AC3E}">
+        <p14:creationId xmlns:p14="http://schemas.microsoft.com/office/powerpoint/2010/main" val="3504043751"/>
       </p:ext>
     </p:extLst>
   </p:cSld>
